--- a/InfluInsights_Final_Presentation.pptx
+++ b/InfluInsights_Final_Presentation.pptx
@@ -7157,7 +7157,7 @@
           <a:p>
             <a:fld id="{5EA28068-AFBD-4979-B752-9EB6F90B1386}" type="datetimeFigureOut">
               <a:rPr lang="en-US" smtClean="0"/>
-              <a:t>5/22/2023</a:t>
+              <a:t>12/17/2023</a:t>
             </a:fld>
             <a:endParaRPr lang="en-US" dirty="0"/>
           </a:p>
@@ -18219,52 +18219,8 @@
                   <a:schemeClr val="bg1"/>
                 </a:solidFill>
               </a:rPr>
-              <a:t> </a:t>
+              <a:t> Dadopoulos Michail</a:t>
             </a:r>
-            <a:r>
-              <a:rPr lang="en-US" sz="2000" dirty="0" err="1">
-                <a:solidFill>
-                  <a:schemeClr val="bg1"/>
-                </a:solidFill>
-              </a:rPr>
-              <a:t>Dadopoulos</a:t>
-            </a:r>
-            <a:r>
-              <a:rPr lang="en-US" sz="2000" dirty="0">
-                <a:solidFill>
-                  <a:schemeClr val="bg1"/>
-                </a:solidFill>
-              </a:rPr>
-              <a:t> </a:t>
-            </a:r>
-            <a:r>
-              <a:rPr lang="en-US" sz="2000" dirty="0" err="1">
-                <a:solidFill>
-                  <a:schemeClr val="bg1"/>
-                </a:solidFill>
-              </a:rPr>
-              <a:t>Michail</a:t>
-            </a:r>
-            <a:endParaRPr lang="en-US" sz="2000" dirty="0">
-              <a:solidFill>
-                <a:schemeClr val="bg1"/>
-              </a:solidFill>
-            </a:endParaRPr>
-          </a:p>
-          <a:p>
-            <a:r>
-              <a:rPr lang="en-US" dirty="0" err="1"/>
-              <a:t>Bekar</a:t>
-            </a:r>
-            <a:r>
-              <a:rPr lang="en-US" dirty="0"/>
-              <a:t> </a:t>
-            </a:r>
-            <a:r>
-              <a:rPr lang="en-US" dirty="0" err="1"/>
-              <a:t>Eren</a:t>
-            </a:r>
-            <a:endParaRPr lang="en-US" dirty="0"/>
           </a:p>
         </p:txBody>
       </p:sp>
@@ -28057,12 +28013,12 @@
 </file>
 
 <file path=customXml/item1.xml><?xml version="1.0" encoding="utf-8"?>
-<p:properties xmlns:p="http://schemas.microsoft.com/office/2006/metadata/properties" xmlns:xsi="http://www.w3.org/2001/XMLSchema-instance" xmlns:pc="http://schemas.microsoft.com/office/infopath/2007/PartnerControls">
-  <documentManagement>
-    <Status xmlns="71af3243-3dd4-4a8d-8c0d-dd76da1f02a5">Not started</Status>
-    <MediaServiceKeyPoints xmlns="71af3243-3dd4-4a8d-8c0d-dd76da1f02a5" xsi:nil="true"/>
-  </documentManagement>
-</p:properties>
+<?mso-contentType ?>
+<FormTemplates xmlns="http://schemas.microsoft.com/sharepoint/v3/contenttype/forms">
+  <Display>DocumentLibraryForm</Display>
+  <Edit>DocumentLibraryForm</Edit>
+  <New>DocumentLibraryForm</New>
+</FormTemplates>
 </file>
 
 <file path=customXml/item2.xml><?xml version="1.0" encoding="utf-8"?>
@@ -28287,20 +28243,18 @@
 </file>
 
 <file path=customXml/item3.xml><?xml version="1.0" encoding="utf-8"?>
-<?mso-contentType ?>
-<FormTemplates xmlns="http://schemas.microsoft.com/sharepoint/v3/contenttype/forms">
-  <Display>DocumentLibraryForm</Display>
-  <Edit>DocumentLibraryForm</Edit>
-  <New>DocumentLibraryForm</New>
-</FormTemplates>
+<p:properties xmlns:p="http://schemas.microsoft.com/office/2006/metadata/properties" xmlns:xsi="http://www.w3.org/2001/XMLSchema-instance" xmlns:pc="http://schemas.microsoft.com/office/infopath/2007/PartnerControls">
+  <documentManagement>
+    <Status xmlns="71af3243-3dd4-4a8d-8c0d-dd76da1f02a5">Not started</Status>
+    <MediaServiceKeyPoints xmlns="71af3243-3dd4-4a8d-8c0d-dd76da1f02a5" xsi:nil="true"/>
+  </documentManagement>
+</p:properties>
 </file>
 
 <file path=customXml/itemProps1.xml><?xml version="1.0" encoding="utf-8"?>
-<ds:datastoreItem xmlns:ds="http://schemas.openxmlformats.org/officeDocument/2006/customXml" ds:itemID="{99919F73-B6C2-4A43-95E2-833EC48925FE}">
+<ds:datastoreItem xmlns:ds="http://schemas.openxmlformats.org/officeDocument/2006/customXml" ds:itemID="{3C8E00D1-8EA3-4E42-801D-0253E1EAFC21}">
   <ds:schemaRefs>
-    <ds:schemaRef ds:uri="http://schemas.microsoft.com/office/2006/metadata/properties"/>
-    <ds:schemaRef ds:uri="http://schemas.microsoft.com/office/infopath/2007/PartnerControls"/>
-    <ds:schemaRef ds:uri="71af3243-3dd4-4a8d-8c0d-dd76da1f02a5"/>
+    <ds:schemaRef ds:uri="http://schemas.microsoft.com/sharepoint/v3/contenttype/forms"/>
   </ds:schemaRefs>
 </ds:datastoreItem>
 </file>
@@ -28325,9 +28279,11 @@
 </file>
 
 <file path=customXml/itemProps3.xml><?xml version="1.0" encoding="utf-8"?>
-<ds:datastoreItem xmlns:ds="http://schemas.openxmlformats.org/officeDocument/2006/customXml" ds:itemID="{3C8E00D1-8EA3-4E42-801D-0253E1EAFC21}">
+<ds:datastoreItem xmlns:ds="http://schemas.openxmlformats.org/officeDocument/2006/customXml" ds:itemID="{99919F73-B6C2-4A43-95E2-833EC48925FE}">
   <ds:schemaRefs>
-    <ds:schemaRef ds:uri="http://schemas.microsoft.com/sharepoint/v3/contenttype/forms"/>
+    <ds:schemaRef ds:uri="http://schemas.microsoft.com/office/2006/metadata/properties"/>
+    <ds:schemaRef ds:uri="http://schemas.microsoft.com/office/infopath/2007/PartnerControls"/>
+    <ds:schemaRef ds:uri="71af3243-3dd4-4a8d-8c0d-dd76da1f02a5"/>
   </ds:schemaRefs>
 </ds:datastoreItem>
 </file>